--- a/docs/deployment_guide/images/mongodb-atlas-architecture-diagram.pptx
+++ b/docs/deployment_guide/images/mongodb-atlas-architecture-diagram.pptx
@@ -223,7 +223,7 @@
           <a:p>
             <a:fld id="{49A7721D-1176-A640-AC48-B82F78C92D56}" type="datetimeFigureOut">
               <a:rPr lang="en-US" smtClean="0"/>
-              <a:t>3/25/2021</a:t>
+              <a:t>2/28/2023</a:t>
             </a:fld>
             <a:endParaRPr lang="en-US" dirty="0"/>
           </a:p>
@@ -400,7 +400,7 @@
           <a:p>
             <a:fld id="{C884A089-FB25-6D46-9D21-F0F04A18BCA8}" type="datetimeFigureOut">
               <a:rPr lang="en-US" smtClean="0"/>
-              <a:t>3/25/2021</a:t>
+              <a:t>2/28/2023</a:t>
             </a:fld>
             <a:endParaRPr lang="en-US" dirty="0"/>
           </a:p>
@@ -1099,7 +1099,7 @@
         <p:spPr>
           <a:xfrm>
             <a:off x="4114800" y="1280150"/>
-            <a:ext cx="1463040" cy="1463040"/>
+            <a:ext cx="1481328" cy="1463040"/>
           </a:xfrm>
           <a:prstGeom prst="rect">
             <a:avLst/>
@@ -1148,7 +1148,7 @@
                 <a:latin typeface="Arial" panose="020B0604020202020204" pitchFamily="34" charset="0"/>
                 <a:cs typeface="Arial" panose="020B0604020202020204" pitchFamily="34" charset="0"/>
               </a:rPr>
-              <a:t>Public subnet</a:t>
+              <a:t>   Public subnet</a:t>
             </a:r>
           </a:p>
         </p:txBody>
@@ -1168,7 +1168,7 @@
         <p:spPr>
           <a:xfrm>
             <a:off x="2011680" y="1280150"/>
-            <a:ext cx="1463040" cy="1463040"/>
+            <a:ext cx="1475740" cy="1463040"/>
           </a:xfrm>
           <a:prstGeom prst="rect">
             <a:avLst/>
@@ -1217,83 +1217,8 @@
                 <a:latin typeface="Arial" panose="020B0604020202020204" pitchFamily="34" charset="0"/>
                 <a:cs typeface="Arial" panose="020B0604020202020204" pitchFamily="34" charset="0"/>
               </a:rPr>
-              <a:t>Public subnet</a:t>
+              <a:t>   Public subnet</a:t>
             </a:r>
-          </a:p>
-        </p:txBody>
-      </p:sp>
-      <p:sp>
-        <p:nvSpPr>
-          <p:cNvPr id="57" name="Rectangle 56">
-            <a:extLst>
-              <a:ext uri="{FF2B5EF4-FFF2-40B4-BE49-F238E27FC236}">
-                <a16:creationId xmlns:a16="http://schemas.microsoft.com/office/drawing/2014/main" id="{37703C61-09E8-4049-8248-F9AB232E14C1}"/>
-              </a:ext>
-            </a:extLst>
-          </p:cNvPr>
-          <p:cNvSpPr/>
-          <p:nvPr/>
-        </p:nvSpPr>
-        <p:spPr>
-          <a:xfrm>
-            <a:off x="1005840" y="1097270"/>
-            <a:ext cx="5120640" cy="1828800"/>
-          </a:xfrm>
-          <a:prstGeom prst="rect">
-            <a:avLst/>
-          </a:prstGeom>
-          <a:noFill/>
-          <a:ln w="12700">
-            <a:solidFill>
-              <a:srgbClr val="1E8900"/>
-            </a:solidFill>
-          </a:ln>
-        </p:spPr>
-        <p:style>
-          <a:lnRef idx="2">
-            <a:schemeClr val="accent1">
-              <a:shade val="50000"/>
-            </a:schemeClr>
-          </a:lnRef>
-          <a:fillRef idx="1">
-            <a:schemeClr val="accent1"/>
-          </a:fillRef>
-          <a:effectRef idx="0">
-            <a:schemeClr val="accent1"/>
-          </a:effectRef>
-          <a:fontRef idx="minor">
-            <a:schemeClr val="lt1"/>
-          </a:fontRef>
-        </p:style>
-        <p:txBody>
-          <a:bodyPr rot="0" spcFirstLastPara="0" vertOverflow="overflow" horzOverflow="overflow" vert="horz" wrap="square" lIns="457200" tIns="91440" rIns="91440" bIns="45720" numCol="1" spcCol="0" rtlCol="0" fromWordArt="0" anchor="t" anchorCtr="0" forceAA="0" compatLnSpc="1">
-            <a:prstTxWarp prst="textNoShape">
-              <a:avLst/>
-            </a:prstTxWarp>
-            <a:noAutofit/>
-          </a:bodyPr>
-          <a:lstStyle/>
-          <a:p>
-            <a:pPr algn="l"/>
-            <a:r>
-              <a:rPr lang="en-US" sz="1200" smtClean="0">
-                <a:ln w="0"/>
-                <a:solidFill>
-                  <a:srgbClr val="1E8900"/>
-                </a:solidFill>
-                <a:latin typeface="Arial" panose="020B0604020202020204" pitchFamily="34" charset="0"/>
-                <a:cs typeface="Arial" panose="020B0604020202020204" pitchFamily="34" charset="0"/>
-              </a:rPr>
-              <a:t>VPC</a:t>
-            </a:r>
-            <a:endParaRPr lang="en-US" sz="1200" dirty="0">
-              <a:ln w="0"/>
-              <a:solidFill>
-                <a:srgbClr val="1E8900"/>
-              </a:solidFill>
-              <a:latin typeface="Arial" panose="020B0604020202020204" pitchFamily="34" charset="0"/>
-              <a:cs typeface="Arial" panose="020B0604020202020204" pitchFamily="34" charset="0"/>
-            </a:endParaRPr>
           </a:p>
         </p:txBody>
       </p:sp>
@@ -1448,7 +1373,7 @@
           <a:blip r:embed="rId2">
             <a:extLst>
               <a:ext uri="{96DAC541-7B7A-43D3-8B79-37D633B846F1}">
-                <asvg:svgBlip xmlns:asvg="http://schemas.microsoft.com/office/drawing/2016/SVG/main" xmlns="" r:embed="rId3"/>
+                <asvg:svgBlip xmlns:asvg="http://schemas.microsoft.com/office/drawing/2016/SVG/main" r:embed="rId3"/>
               </a:ext>
             </a:extLst>
           </a:blip>
@@ -1460,78 +1385,6 @@
           <a:xfrm>
             <a:off x="822960" y="274310"/>
             <a:ext cx="330200" cy="330200"/>
-          </a:xfrm>
-          <a:prstGeom prst="rect">
-            <a:avLst/>
-          </a:prstGeom>
-        </p:spPr>
-      </p:pic>
-      <p:pic>
-        <p:nvPicPr>
-          <p:cNvPr id="63" name="Graphic 62">
-            <a:extLst>
-              <a:ext uri="{FF2B5EF4-FFF2-40B4-BE49-F238E27FC236}">
-                <a16:creationId xmlns:a16="http://schemas.microsoft.com/office/drawing/2014/main" id="{1FB42D1C-3EBE-4F44-AEEF-747AE0502066}"/>
-              </a:ext>
-            </a:extLst>
-          </p:cNvPr>
-          <p:cNvPicPr>
-            <a:picLocks noChangeAspect="1"/>
-          </p:cNvPicPr>
-          <p:nvPr/>
-        </p:nvPicPr>
-        <p:blipFill>
-          <a:blip r:embed="rId4">
-            <a:extLst>
-              <a:ext uri="{96DAC541-7B7A-43D3-8B79-37D633B846F1}">
-                <asvg:svgBlip xmlns:asvg="http://schemas.microsoft.com/office/drawing/2016/SVG/main" xmlns="" r:embed="rId5"/>
-              </a:ext>
-            </a:extLst>
-          </a:blip>
-          <a:stretch>
-            <a:fillRect/>
-          </a:stretch>
-        </p:blipFill>
-        <p:spPr>
-          <a:xfrm>
-            <a:off x="1005840" y="1097270"/>
-            <a:ext cx="330200" cy="330200"/>
-          </a:xfrm>
-          <a:prstGeom prst="rect">
-            <a:avLst/>
-          </a:prstGeom>
-        </p:spPr>
-      </p:pic>
-      <p:pic>
-        <p:nvPicPr>
-          <p:cNvPr id="64" name="Graphic 63">
-            <a:extLst>
-              <a:ext uri="{FF2B5EF4-FFF2-40B4-BE49-F238E27FC236}">
-                <a16:creationId xmlns:a16="http://schemas.microsoft.com/office/drawing/2014/main" id="{EF801B6A-5039-A74B-9F9A-63AABA56CBE2}"/>
-              </a:ext>
-            </a:extLst>
-          </p:cNvPr>
-          <p:cNvPicPr>
-            <a:picLocks noChangeAspect="1"/>
-          </p:cNvPicPr>
-          <p:nvPr/>
-        </p:nvPicPr>
-        <p:blipFill>
-          <a:blip r:embed="rId6">
-            <a:extLst>
-              <a:ext uri="{96DAC541-7B7A-43D3-8B79-37D633B846F1}">
-                <asvg:svgBlip xmlns:asvg="http://schemas.microsoft.com/office/drawing/2016/SVG/main" xmlns="" r:embed="rId7"/>
-              </a:ext>
-            </a:extLst>
-          </a:blip>
-          <a:stretch>
-            <a:fillRect/>
-          </a:stretch>
-        </p:blipFill>
-        <p:spPr>
-          <a:xfrm>
-            <a:off x="2011680" y="1280150"/>
-            <a:ext cx="274320" cy="274320"/>
           </a:xfrm>
           <a:prstGeom prst="rect">
             <a:avLst/>
@@ -1592,10 +1445,10 @@
           <p:nvPr/>
         </p:nvPicPr>
         <p:blipFill>
-          <a:blip r:embed="rId8">
+          <a:blip r:embed="rId4">
             <a:extLst>
               <a:ext uri="{96DAC541-7B7A-43D3-8B79-37D633B846F1}">
-                <asvg:svgBlip xmlns:asvg="http://schemas.microsoft.com/office/drawing/2016/SVG/main" xmlns="" r:embed="rId11"/>
+                <asvg:svgBlip xmlns:asvg="http://schemas.microsoft.com/office/drawing/2016/SVG/main" r:embed="rId5"/>
               </a:ext>
             </a:extLst>
           </a:blip>
@@ -1680,42 +1533,6 @@
           </a:p>
         </p:txBody>
       </p:sp>
-      <p:pic>
-        <p:nvPicPr>
-          <p:cNvPr id="82" name="Graphic 81">
-            <a:extLst>
-              <a:ext uri="{FF2B5EF4-FFF2-40B4-BE49-F238E27FC236}">
-                <a16:creationId xmlns:a16="http://schemas.microsoft.com/office/drawing/2014/main" id="{D8C3DF26-3C24-AC44-AFF6-FF217710069A}"/>
-              </a:ext>
-            </a:extLst>
-          </p:cNvPr>
-          <p:cNvPicPr>
-            <a:picLocks noChangeAspect="1"/>
-          </p:cNvPicPr>
-          <p:nvPr/>
-        </p:nvPicPr>
-        <p:blipFill>
-          <a:blip r:embed="rId6">
-            <a:extLst>
-              <a:ext uri="{96DAC541-7B7A-43D3-8B79-37D633B846F1}">
-                <asvg:svgBlip xmlns:asvg="http://schemas.microsoft.com/office/drawing/2016/SVG/main" xmlns="" r:embed="rId7"/>
-              </a:ext>
-            </a:extLst>
-          </a:blip>
-          <a:stretch>
-            <a:fillRect/>
-          </a:stretch>
-        </p:blipFill>
-        <p:spPr>
-          <a:xfrm>
-            <a:off x="4114800" y="1280150"/>
-            <a:ext cx="274320" cy="274320"/>
-          </a:xfrm>
-          <a:prstGeom prst="rect">
-            <a:avLst/>
-          </a:prstGeom>
-        </p:spPr>
-      </p:pic>
       <p:sp>
         <p:nvSpPr>
           <p:cNvPr id="84" name="TextBox 83">
@@ -1770,10 +1587,10 @@
           <p:nvPr/>
         </p:nvPicPr>
         <p:blipFill>
-          <a:blip r:embed="rId8">
+          <a:blip r:embed="rId4">
             <a:extLst>
               <a:ext uri="{96DAC541-7B7A-43D3-8B79-37D633B846F1}">
-                <asvg:svgBlip xmlns:asvg="http://schemas.microsoft.com/office/drawing/2016/SVG/main" xmlns="" r:embed="rId11"/>
+                <asvg:svgBlip xmlns:asvg="http://schemas.microsoft.com/office/drawing/2016/SVG/main" r:embed="rId5"/>
               </a:ext>
             </a:extLst>
           </a:blip>
@@ -1789,113 +1606,6 @@
           <a:prstGeom prst="rect">
             <a:avLst/>
           </a:prstGeom>
-        </p:spPr>
-      </p:pic>
-      <p:sp>
-        <p:nvSpPr>
-          <p:cNvPr id="98" name="Google Shape;68;p4">
-            <a:extLst>
-              <a:ext uri="{FF2B5EF4-FFF2-40B4-BE49-F238E27FC236}">
-                <a16:creationId xmlns:a16="http://schemas.microsoft.com/office/drawing/2014/main" id="{B9CF98B5-5E51-0447-9435-6523854CBB8C}"/>
-              </a:ext>
-            </a:extLst>
-          </p:cNvPr>
-          <p:cNvSpPr/>
-          <p:nvPr/>
-        </p:nvSpPr>
-        <p:spPr>
-          <a:xfrm>
-            <a:off x="7223760" y="457200"/>
-            <a:ext cx="3657600" cy="3108960"/>
-          </a:xfrm>
-          <a:prstGeom prst="rect">
-            <a:avLst/>
-          </a:prstGeom>
-          <a:noFill/>
-          <a:ln w="12700" cap="flat" cmpd="sng">
-            <a:solidFill>
-              <a:srgbClr val="1E8900"/>
-            </a:solidFill>
-            <a:prstDash val="solid"/>
-            <a:miter lim="800000"/>
-            <a:headEnd type="none" w="sm" len="sm"/>
-            <a:tailEnd type="none" w="sm" len="sm"/>
-          </a:ln>
-        </p:spPr>
-        <p:txBody>
-          <a:bodyPr spcFirstLastPara="1" wrap="square" lIns="457200" tIns="91425" rIns="91425" bIns="45700" anchor="t" anchorCtr="0">
-            <a:noAutofit/>
-          </a:bodyPr>
-          <a:lstStyle/>
-          <a:p>
-            <a:pPr marL="0" marR="0" lvl="0" indent="0" algn="l" rtl="0">
-              <a:spcBef>
-                <a:spcPts val="0"/>
-              </a:spcBef>
-              <a:spcAft>
-                <a:spcPts val="0"/>
-              </a:spcAft>
-              <a:buNone/>
-            </a:pPr>
-            <a:r>
-              <a:rPr lang="en-US" sz="1200" b="0" i="0" u="none" strike="noStrike" cap="none" smtClean="0">
-                <a:solidFill>
-                  <a:srgbClr val="1E8900"/>
-                </a:solidFill>
-                <a:latin typeface="Arial"/>
-                <a:ea typeface="Arial"/>
-                <a:cs typeface="Arial"/>
-                <a:sym typeface="Arial"/>
-              </a:rPr>
-              <a:t>MongoDB Atlas </a:t>
-            </a:r>
-            <a:r>
-              <a:rPr lang="en-US" sz="1200" b="0" i="0" u="none" strike="noStrike" cap="none" smtClean="0">
-                <a:solidFill>
-                  <a:srgbClr val="1E8900"/>
-                </a:solidFill>
-                <a:latin typeface="Arial"/>
-                <a:ea typeface="Arial"/>
-                <a:cs typeface="Arial"/>
-                <a:sym typeface="Arial"/>
-              </a:rPr>
-              <a:t>project VPC</a:t>
-            </a:r>
-            <a:endParaRPr/>
-          </a:p>
-        </p:txBody>
-      </p:sp>
-      <p:pic>
-        <p:nvPicPr>
-          <p:cNvPr id="99" name="Google Shape;71;p4">
-            <a:extLst>
-              <a:ext uri="{FF2B5EF4-FFF2-40B4-BE49-F238E27FC236}">
-                <a16:creationId xmlns:a16="http://schemas.microsoft.com/office/drawing/2014/main" id="{7DBF98F4-D57B-EC4D-B99B-E55A8076BD84}"/>
-              </a:ext>
-            </a:extLst>
-          </p:cNvPr>
-          <p:cNvPicPr preferRelativeResize="0"/>
-          <p:nvPr/>
-        </p:nvPicPr>
-        <p:blipFill rotWithShape="1">
-          <a:blip r:embed="rId4">
-            <a:alphaModFix/>
-          </a:blip>
-          <a:srcRect/>
-          <a:stretch/>
-        </p:blipFill>
-        <p:spPr>
-          <a:xfrm>
-            <a:off x="7223760" y="457200"/>
-            <a:ext cx="286621" cy="286620"/>
-          </a:xfrm>
-          <a:prstGeom prst="rect">
-            <a:avLst/>
-          </a:prstGeom>
-          <a:noFill/>
-          <a:ln>
-            <a:noFill/>
-          </a:ln>
         </p:spPr>
       </p:pic>
       <p:sp>
@@ -2171,7 +1881,7 @@
           <p:nvPr/>
         </p:nvPicPr>
         <p:blipFill>
-          <a:blip r:embed="rId12">
+          <a:blip r:embed="rId6">
             <a:alphaModFix/>
           </a:blip>
           <a:stretch>
@@ -2282,7 +1992,7 @@
           <a:p>
             <a:pPr algn="ctr"/>
             <a:r>
-              <a:rPr lang="en-US" sz="1200" smtClean="0">
+              <a:rPr lang="en-US" sz="1200">
                 <a:latin typeface="Arial" panose="020B0604020202020204" pitchFamily="34" charset="0"/>
                 <a:cs typeface="Arial" panose="020B0604020202020204" pitchFamily="34" charset="0"/>
               </a:rPr>
@@ -2305,14 +2015,13 @@
             </a:extLst>
           </p:cNvPr>
           <p:cNvCxnSpPr>
-            <a:stCxn id="57" idx="3"/>
-            <a:endCxn id="98" idx="1"/>
+            <a:cxnSpLocks/>
           </p:cNvCxnSpPr>
           <p:nvPr/>
         </p:nvCxnSpPr>
         <p:spPr>
           <a:xfrm>
-            <a:off x="6126480" y="2011670"/>
+            <a:off x="6126480" y="2040899"/>
             <a:ext cx="1097280" cy="10"/>
           </a:xfrm>
           <a:prstGeom prst="straightConnector1">
@@ -2356,7 +2065,7 @@
           <p:nvPr/>
         </p:nvPicPr>
         <p:blipFill>
-          <a:blip r:embed="rId13">
+          <a:blip r:embed="rId7">
             <a:extLst>
               <a:ext uri="{28A0092B-C50C-407E-A947-70E740481C1C}">
                 <a14:useLocalDpi xmlns:a14="http://schemas.microsoft.com/office/drawing/2010/main" val="0"/>
@@ -2399,6 +2108,288 @@
               </a14:hiddenLine>
             </a:ext>
           </a:extLst>
+        </p:spPr>
+      </p:pic>
+      <p:sp>
+        <p:nvSpPr>
+          <p:cNvPr id="28" name="Rectangle 27">
+            <a:extLst>
+              <a:ext uri="{FF2B5EF4-FFF2-40B4-BE49-F238E27FC236}">
+                <a16:creationId xmlns:a16="http://schemas.microsoft.com/office/drawing/2014/main" id="{B26746FB-84ED-494D-A6B5-2E27C056C95A}"/>
+              </a:ext>
+            </a:extLst>
+          </p:cNvPr>
+          <p:cNvSpPr/>
+          <p:nvPr/>
+        </p:nvSpPr>
+        <p:spPr>
+          <a:xfrm>
+            <a:off x="936347" y="1099427"/>
+            <a:ext cx="5190134" cy="1826643"/>
+          </a:xfrm>
+          <a:prstGeom prst="rect">
+            <a:avLst/>
+          </a:prstGeom>
+          <a:noFill/>
+          <a:ln w="12700">
+            <a:solidFill>
+              <a:srgbClr val="693BC5"/>
+            </a:solidFill>
+          </a:ln>
+        </p:spPr>
+        <p:style>
+          <a:lnRef idx="2">
+            <a:schemeClr val="accent1">
+              <a:shade val="50000"/>
+            </a:schemeClr>
+          </a:lnRef>
+          <a:fillRef idx="1">
+            <a:schemeClr val="accent1"/>
+          </a:fillRef>
+          <a:effectRef idx="0">
+            <a:schemeClr val="accent1"/>
+          </a:effectRef>
+          <a:fontRef idx="minor">
+            <a:schemeClr val="lt1"/>
+          </a:fontRef>
+        </p:style>
+        <p:txBody>
+          <a:bodyPr lIns="502920" tIns="91440"/>
+          <a:lstStyle/>
+          <a:p>
+            <a:pPr eaLnBrk="1" fontAlgn="auto" hangingPunct="1">
+              <a:spcBef>
+                <a:spcPts val="0"/>
+              </a:spcBef>
+              <a:spcAft>
+                <a:spcPts val="0"/>
+              </a:spcAft>
+              <a:defRPr/>
+            </a:pPr>
+            <a:r>
+              <a:rPr lang="en-US" sz="1200" dirty="0">
+                <a:ln w="0"/>
+                <a:solidFill>
+                  <a:srgbClr val="693BC5"/>
+                </a:solidFill>
+                <a:latin typeface="Arial" panose="020B0604020202020204" pitchFamily="34" charset="0"/>
+                <a:cs typeface="Arial" panose="020B0604020202020204" pitchFamily="34" charset="0"/>
+              </a:rPr>
+              <a:t>VPC</a:t>
+            </a:r>
+          </a:p>
+        </p:txBody>
+      </p:sp>
+      <p:pic>
+        <p:nvPicPr>
+          <p:cNvPr id="29" name="Graphic 28">
+            <a:extLst>
+              <a:ext uri="{FF2B5EF4-FFF2-40B4-BE49-F238E27FC236}">
+                <a16:creationId xmlns:a16="http://schemas.microsoft.com/office/drawing/2014/main" id="{F1D4BC33-E6CC-4708-A623-17E469291F51}"/>
+              </a:ext>
+            </a:extLst>
+          </p:cNvPr>
+          <p:cNvPicPr>
+            <a:picLocks noChangeAspect="1"/>
+          </p:cNvPicPr>
+          <p:nvPr/>
+        </p:nvPicPr>
+        <p:blipFill>
+          <a:blip r:embed="rId8">
+            <a:extLst>
+              <a:ext uri="{96DAC541-7B7A-43D3-8B79-37D633B846F1}">
+                <asvg:svgBlip xmlns:asvg="http://schemas.microsoft.com/office/drawing/2016/SVG/main" r:embed="rId9"/>
+              </a:ext>
+            </a:extLst>
+          </a:blip>
+          <a:srcRect/>
+          <a:stretch/>
+        </p:blipFill>
+        <p:spPr>
+          <a:xfrm>
+            <a:off x="936347" y="1097280"/>
+            <a:ext cx="381000" cy="381000"/>
+          </a:xfrm>
+          <a:prstGeom prst="rect">
+            <a:avLst/>
+          </a:prstGeom>
+        </p:spPr>
+      </p:pic>
+      <p:pic>
+        <p:nvPicPr>
+          <p:cNvPr id="30" name="Graphic 29">
+            <a:extLst>
+              <a:ext uri="{FF2B5EF4-FFF2-40B4-BE49-F238E27FC236}">
+                <a16:creationId xmlns:a16="http://schemas.microsoft.com/office/drawing/2014/main" id="{B7F107A0-34DF-43A2-9ED8-011BB6652713}"/>
+              </a:ext>
+            </a:extLst>
+          </p:cNvPr>
+          <p:cNvPicPr>
+            <a:picLocks noChangeAspect="1"/>
+          </p:cNvPicPr>
+          <p:nvPr/>
+        </p:nvPicPr>
+        <p:blipFill>
+          <a:blip r:embed="rId8">
+            <a:extLst>
+              <a:ext uri="{96DAC541-7B7A-43D3-8B79-37D633B846F1}">
+                <asvg:svgBlip xmlns:asvg="http://schemas.microsoft.com/office/drawing/2016/SVG/main" r:embed="rId9"/>
+              </a:ext>
+            </a:extLst>
+          </a:blip>
+          <a:srcRect/>
+          <a:stretch/>
+        </p:blipFill>
+        <p:spPr>
+          <a:xfrm>
+            <a:off x="7214236" y="466662"/>
+            <a:ext cx="381000" cy="381000"/>
+          </a:xfrm>
+          <a:prstGeom prst="rect">
+            <a:avLst/>
+          </a:prstGeom>
+        </p:spPr>
+      </p:pic>
+      <p:sp>
+        <p:nvSpPr>
+          <p:cNvPr id="31" name="Rectangle 30">
+            <a:extLst>
+              <a:ext uri="{FF2B5EF4-FFF2-40B4-BE49-F238E27FC236}">
+                <a16:creationId xmlns:a16="http://schemas.microsoft.com/office/drawing/2014/main" id="{D24D1A17-AA6D-4D12-A787-5472C1CD9876}"/>
+              </a:ext>
+            </a:extLst>
+          </p:cNvPr>
+          <p:cNvSpPr/>
+          <p:nvPr/>
+        </p:nvSpPr>
+        <p:spPr>
+          <a:xfrm>
+            <a:off x="7215823" y="466662"/>
+            <a:ext cx="3625303" cy="3066580"/>
+          </a:xfrm>
+          <a:prstGeom prst="rect">
+            <a:avLst/>
+          </a:prstGeom>
+          <a:noFill/>
+          <a:ln w="12700">
+            <a:solidFill>
+              <a:srgbClr val="693BC5"/>
+            </a:solidFill>
+          </a:ln>
+        </p:spPr>
+        <p:style>
+          <a:lnRef idx="2">
+            <a:schemeClr val="accent1">
+              <a:shade val="50000"/>
+            </a:schemeClr>
+          </a:lnRef>
+          <a:fillRef idx="1">
+            <a:schemeClr val="accent1"/>
+          </a:fillRef>
+          <a:effectRef idx="0">
+            <a:schemeClr val="accent1"/>
+          </a:effectRef>
+          <a:fontRef idx="minor">
+            <a:schemeClr val="lt1"/>
+          </a:fontRef>
+        </p:style>
+        <p:txBody>
+          <a:bodyPr lIns="502920" tIns="91440"/>
+          <a:lstStyle/>
+          <a:p>
+            <a:pPr eaLnBrk="1" fontAlgn="auto" hangingPunct="1">
+              <a:spcBef>
+                <a:spcPts val="0"/>
+              </a:spcBef>
+              <a:spcAft>
+                <a:spcPts val="0"/>
+              </a:spcAft>
+              <a:defRPr/>
+            </a:pPr>
+            <a:r>
+              <a:rPr lang="en-US" sz="1200" dirty="0">
+                <a:ln w="0"/>
+                <a:solidFill>
+                  <a:srgbClr val="693BC5"/>
+                </a:solidFill>
+                <a:latin typeface="Arial" panose="020B0604020202020204" pitchFamily="34" charset="0"/>
+                <a:cs typeface="Arial" panose="020B0604020202020204" pitchFamily="34" charset="0"/>
+              </a:rPr>
+              <a:t>MongoDB Atlas project VPC</a:t>
+            </a:r>
+          </a:p>
+        </p:txBody>
+      </p:sp>
+      <p:pic>
+        <p:nvPicPr>
+          <p:cNvPr id="32" name="Graphic 31">
+            <a:extLst>
+              <a:ext uri="{FF2B5EF4-FFF2-40B4-BE49-F238E27FC236}">
+                <a16:creationId xmlns:a16="http://schemas.microsoft.com/office/drawing/2014/main" id="{3759EDB2-EA6D-41E6-9F4C-172F9A5EA64F}"/>
+              </a:ext>
+            </a:extLst>
+          </p:cNvPr>
+          <p:cNvPicPr>
+            <a:picLocks noChangeAspect="1"/>
+          </p:cNvPicPr>
+          <p:nvPr/>
+        </p:nvPicPr>
+        <p:blipFill>
+          <a:blip r:embed="rId10">
+            <a:extLst>
+              <a:ext uri="{96DAC541-7B7A-43D3-8B79-37D633B846F1}">
+                <asvg:svgBlip xmlns:asvg="http://schemas.microsoft.com/office/drawing/2016/SVG/main" r:embed="rId11"/>
+              </a:ext>
+            </a:extLst>
+          </a:blip>
+          <a:stretch>
+            <a:fillRect/>
+          </a:stretch>
+        </p:blipFill>
+        <p:spPr>
+          <a:xfrm>
+            <a:off x="4114800" y="1280150"/>
+            <a:ext cx="381000" cy="381000"/>
+          </a:xfrm>
+          <a:prstGeom prst="rect">
+            <a:avLst/>
+          </a:prstGeom>
+        </p:spPr>
+      </p:pic>
+      <p:pic>
+        <p:nvPicPr>
+          <p:cNvPr id="33" name="Graphic 32">
+            <a:extLst>
+              <a:ext uri="{FF2B5EF4-FFF2-40B4-BE49-F238E27FC236}">
+                <a16:creationId xmlns:a16="http://schemas.microsoft.com/office/drawing/2014/main" id="{A2B3669D-37F0-46EC-BB0C-BA8625913C52}"/>
+              </a:ext>
+            </a:extLst>
+          </p:cNvPr>
+          <p:cNvPicPr>
+            <a:picLocks noChangeAspect="1"/>
+          </p:cNvPicPr>
+          <p:nvPr/>
+        </p:nvPicPr>
+        <p:blipFill>
+          <a:blip r:embed="rId10">
+            <a:extLst>
+              <a:ext uri="{96DAC541-7B7A-43D3-8B79-37D633B846F1}">
+                <asvg:svgBlip xmlns:asvg="http://schemas.microsoft.com/office/drawing/2016/SVG/main" r:embed="rId11"/>
+              </a:ext>
+            </a:extLst>
+          </a:blip>
+          <a:stretch>
+            <a:fillRect/>
+          </a:stretch>
+        </p:blipFill>
+        <p:spPr>
+          <a:xfrm>
+            <a:off x="2011679" y="1280150"/>
+            <a:ext cx="381000" cy="381000"/>
+          </a:xfrm>
+          <a:prstGeom prst="rect">
+            <a:avLst/>
+          </a:prstGeom>
         </p:spPr>
       </p:pic>
     </p:spTree>
